--- a/ASOポップカルチャー専門学校_小畑耀_(株)クロスプラススタジオ_履歴書.pptx
+++ b/ASOポップカルチャー専門学校_小畑耀_(株)クロスプラススタジオ_履歴書.pptx
@@ -243,7 +243,7 @@
           <a:p>
             <a:fld id="{794C40CB-C9B9-4CF7-8744-847E2158247A}" type="datetimeFigureOut">
               <a:rPr kumimoji="1" lang="ja-JP" altLang="en-US" smtClean="0"/>
-              <a:t>2023/4/27</a:t>
+              <a:t>2023/5/12</a:t>
             </a:fld>
             <a:endParaRPr kumimoji="1" lang="ja-JP" altLang="en-US"/>
           </a:p>
@@ -445,7 +445,7 @@
           <a:p>
             <a:fld id="{794C40CB-C9B9-4CF7-8744-847E2158247A}" type="datetimeFigureOut">
               <a:rPr kumimoji="1" lang="ja-JP" altLang="en-US" smtClean="0"/>
-              <a:t>2023/4/27</a:t>
+              <a:t>2023/5/12</a:t>
             </a:fld>
             <a:endParaRPr kumimoji="1" lang="ja-JP" altLang="en-US"/>
           </a:p>
@@ -657,7 +657,7 @@
           <a:p>
             <a:fld id="{794C40CB-C9B9-4CF7-8744-847E2158247A}" type="datetimeFigureOut">
               <a:rPr kumimoji="1" lang="ja-JP" altLang="en-US" smtClean="0"/>
-              <a:t>2023/4/27</a:t>
+              <a:t>2023/5/12</a:t>
             </a:fld>
             <a:endParaRPr kumimoji="1" lang="ja-JP" altLang="en-US"/>
           </a:p>
@@ -859,7 +859,7 @@
           <a:p>
             <a:fld id="{794C40CB-C9B9-4CF7-8744-847E2158247A}" type="datetimeFigureOut">
               <a:rPr kumimoji="1" lang="ja-JP" altLang="en-US" smtClean="0"/>
-              <a:t>2023/4/27</a:t>
+              <a:t>2023/5/12</a:t>
             </a:fld>
             <a:endParaRPr kumimoji="1" lang="ja-JP" altLang="en-US"/>
           </a:p>
@@ -1103,7 +1103,7 @@
           <a:p>
             <a:fld id="{794C40CB-C9B9-4CF7-8744-847E2158247A}" type="datetimeFigureOut">
               <a:rPr kumimoji="1" lang="ja-JP" altLang="en-US" smtClean="0"/>
-              <a:t>2023/4/27</a:t>
+              <a:t>2023/5/12</a:t>
             </a:fld>
             <a:endParaRPr kumimoji="1" lang="ja-JP" altLang="en-US"/>
           </a:p>
@@ -1399,7 +1399,7 @@
           <a:p>
             <a:fld id="{794C40CB-C9B9-4CF7-8744-847E2158247A}" type="datetimeFigureOut">
               <a:rPr kumimoji="1" lang="ja-JP" altLang="en-US" smtClean="0"/>
-              <a:t>2023/4/27</a:t>
+              <a:t>2023/5/12</a:t>
             </a:fld>
             <a:endParaRPr kumimoji="1" lang="ja-JP" altLang="en-US"/>
           </a:p>
@@ -1830,7 +1830,7 @@
           <a:p>
             <a:fld id="{794C40CB-C9B9-4CF7-8744-847E2158247A}" type="datetimeFigureOut">
               <a:rPr kumimoji="1" lang="ja-JP" altLang="en-US" smtClean="0"/>
-              <a:t>2023/4/27</a:t>
+              <a:t>2023/5/12</a:t>
             </a:fld>
             <a:endParaRPr kumimoji="1" lang="ja-JP" altLang="en-US"/>
           </a:p>
@@ -1948,7 +1948,7 @@
           <a:p>
             <a:fld id="{794C40CB-C9B9-4CF7-8744-847E2158247A}" type="datetimeFigureOut">
               <a:rPr kumimoji="1" lang="ja-JP" altLang="en-US" smtClean="0"/>
-              <a:t>2023/4/27</a:t>
+              <a:t>2023/5/12</a:t>
             </a:fld>
             <a:endParaRPr kumimoji="1" lang="ja-JP" altLang="en-US"/>
           </a:p>
@@ -2043,7 +2043,7 @@
           <a:p>
             <a:fld id="{794C40CB-C9B9-4CF7-8744-847E2158247A}" type="datetimeFigureOut">
               <a:rPr kumimoji="1" lang="ja-JP" altLang="en-US" smtClean="0"/>
-              <a:t>2023/4/27</a:t>
+              <a:t>2023/5/12</a:t>
             </a:fld>
             <a:endParaRPr kumimoji="1" lang="ja-JP" altLang="en-US"/>
           </a:p>
@@ -2352,7 +2352,7 @@
           <a:p>
             <a:fld id="{794C40CB-C9B9-4CF7-8744-847E2158247A}" type="datetimeFigureOut">
               <a:rPr kumimoji="1" lang="ja-JP" altLang="en-US" smtClean="0"/>
-              <a:t>2023/4/27</a:t>
+              <a:t>2023/5/12</a:t>
             </a:fld>
             <a:endParaRPr kumimoji="1" lang="ja-JP" altLang="en-US"/>
           </a:p>
@@ -2609,7 +2609,7 @@
           <a:p>
             <a:fld id="{794C40CB-C9B9-4CF7-8744-847E2158247A}" type="datetimeFigureOut">
               <a:rPr kumimoji="1" lang="ja-JP" altLang="en-US" smtClean="0"/>
-              <a:t>2023/4/27</a:t>
+              <a:t>2023/5/12</a:t>
             </a:fld>
             <a:endParaRPr kumimoji="1" lang="ja-JP" altLang="en-US"/>
           </a:p>
@@ -2854,7 +2854,7 @@
           <a:p>
             <a:fld id="{794C40CB-C9B9-4CF7-8744-847E2158247A}" type="datetimeFigureOut">
               <a:rPr kumimoji="1" lang="ja-JP" altLang="en-US" smtClean="0"/>
-              <a:t>2023/4/27</a:t>
+              <a:t>2023/5/12</a:t>
             </a:fld>
             <a:endParaRPr kumimoji="1" lang="ja-JP" altLang="en-US"/>
           </a:p>
@@ -3317,18 +3317,18 @@
               </a:lnSpc>
             </a:pPr>
             <a:r>
-              <a:rPr kumimoji="1" lang="en-US" altLang="ja-JP" sz="1200" dirty="0" err="1">
+              <a:rPr lang="ja-JP" altLang="en-US" sz="1200">
                 <a:latin typeface="ＭＳ Ｐ明朝" panose="02020600040205080304" pitchFamily="18" charset="-128"/>
                 <a:ea typeface="ＭＳ Ｐ明朝" panose="02020600040205080304" pitchFamily="18" charset="-128"/>
               </a:rPr>
-              <a:t>Effekseer</a:t>
+              <a:t>ツールを</a:t>
             </a:r>
             <a:r>
               <a:rPr lang="ja-JP" altLang="en-US" sz="1200" dirty="0">
                 <a:latin typeface="ＭＳ Ｐ明朝" panose="02020600040205080304" pitchFamily="18" charset="-128"/>
                 <a:ea typeface="ＭＳ Ｐ明朝" panose="02020600040205080304" pitchFamily="18" charset="-128"/>
               </a:rPr>
-              <a:t>を使用せずにシェーダーを応用したエフェクトを表示できるように現在</a:t>
+              <a:t>使用せずにシェーダーを応用したエフェクトを表示できるように現在</a:t>
             </a:r>
             <a:r>
               <a:rPr lang="en-US" altLang="ja-JP" sz="1200" dirty="0">
@@ -8943,9 +8943,12 @@
 </file>
 
 <file path=customXml/item1.xml><?xml version="1.0" encoding="utf-8"?>
-<p:properties xmlns:p="http://schemas.microsoft.com/office/2006/metadata/properties" xmlns:xsi="http://www.w3.org/2001/XMLSchema-instance" xmlns:pc="http://schemas.microsoft.com/office/infopath/2007/PartnerControls">
-  <documentManagement/>
-</p:properties>
+<?mso-contentType ?>
+<FormTemplates xmlns="http://schemas.microsoft.com/sharepoint/v3/contenttype/forms">
+  <Display>DocumentLibraryForm</Display>
+  <Edit>DocumentLibraryForm</Edit>
+  <New>DocumentLibraryForm</New>
+</FormTemplates>
 </file>
 
 <file path=customXml/item2.xml><?xml version="1.0" encoding="utf-8"?>
@@ -9114,27 +9117,15 @@
 </file>
 
 <file path=customXml/item3.xml><?xml version="1.0" encoding="utf-8"?>
-<?mso-contentType ?>
-<FormTemplates xmlns="http://schemas.microsoft.com/sharepoint/v3/contenttype/forms">
-  <Display>DocumentLibraryForm</Display>
-  <Edit>DocumentLibraryForm</Edit>
-  <New>DocumentLibraryForm</New>
-</FormTemplates>
+<p:properties xmlns:p="http://schemas.microsoft.com/office/2006/metadata/properties" xmlns:xsi="http://www.w3.org/2001/XMLSchema-instance" xmlns:pc="http://schemas.microsoft.com/office/infopath/2007/PartnerControls">
+  <documentManagement/>
+</p:properties>
 </file>
 
 <file path=customXml/itemProps1.xml><?xml version="1.0" encoding="utf-8"?>
-<ds:datastoreItem xmlns:ds="http://schemas.openxmlformats.org/officeDocument/2006/customXml" ds:itemID="{F929C96F-1932-4DE7-A156-7D3B458EA036}">
+<ds:datastoreItem xmlns:ds="http://schemas.openxmlformats.org/officeDocument/2006/customXml" ds:itemID="{6EDD97E7-7A91-4DDE-BFC9-DC3652AAA340}">
   <ds:schemaRefs>
-    <ds:schemaRef ds:uri="http://schemas.microsoft.com/office/2006/documentManagement/types"/>
-    <ds:schemaRef ds:uri="http://purl.org/dc/terms/"/>
-    <ds:schemaRef ds:uri="http://purl.org/dc/elements/1.1/"/>
-    <ds:schemaRef ds:uri="http://www.w3.org/XML/1998/namespace"/>
-    <ds:schemaRef ds:uri="http://schemas.openxmlformats.org/package/2006/metadata/core-properties"/>
-    <ds:schemaRef ds:uri="http://purl.org/dc/dcmitype/"/>
-    <ds:schemaRef ds:uri="d96a085a-c185-4699-8a52-62798b5a76fe"/>
-    <ds:schemaRef ds:uri="http://schemas.microsoft.com/office/infopath/2007/PartnerControls"/>
-    <ds:schemaRef ds:uri="c6997f91-8249-4dce-9b86-00499df785e0"/>
-    <ds:schemaRef ds:uri="http://schemas.microsoft.com/office/2006/metadata/properties"/>
+    <ds:schemaRef ds:uri="http://schemas.microsoft.com/sharepoint/v3/contenttype/forms"/>
   </ds:schemaRefs>
 </ds:datastoreItem>
 </file>
@@ -9159,9 +9150,18 @@
 </file>
 
 <file path=customXml/itemProps3.xml><?xml version="1.0" encoding="utf-8"?>
-<ds:datastoreItem xmlns:ds="http://schemas.openxmlformats.org/officeDocument/2006/customXml" ds:itemID="{6EDD97E7-7A91-4DDE-BFC9-DC3652AAA340}">
+<ds:datastoreItem xmlns:ds="http://schemas.openxmlformats.org/officeDocument/2006/customXml" ds:itemID="{F929C96F-1932-4DE7-A156-7D3B458EA036}">
   <ds:schemaRefs>
-    <ds:schemaRef ds:uri="http://schemas.microsoft.com/sharepoint/v3/contenttype/forms"/>
+    <ds:schemaRef ds:uri="http://schemas.microsoft.com/office/2006/documentManagement/types"/>
+    <ds:schemaRef ds:uri="http://purl.org/dc/terms/"/>
+    <ds:schemaRef ds:uri="http://purl.org/dc/elements/1.1/"/>
+    <ds:schemaRef ds:uri="http://www.w3.org/XML/1998/namespace"/>
+    <ds:schemaRef ds:uri="http://schemas.openxmlformats.org/package/2006/metadata/core-properties"/>
+    <ds:schemaRef ds:uri="http://purl.org/dc/dcmitype/"/>
+    <ds:schemaRef ds:uri="d96a085a-c185-4699-8a52-62798b5a76fe"/>
+    <ds:schemaRef ds:uri="http://schemas.microsoft.com/office/infopath/2007/PartnerControls"/>
+    <ds:schemaRef ds:uri="c6997f91-8249-4dce-9b86-00499df785e0"/>
+    <ds:schemaRef ds:uri="http://schemas.microsoft.com/office/2006/metadata/properties"/>
   </ds:schemaRefs>
 </ds:datastoreItem>
 </file>
--- a/ASOポップカルチャー専門学校_小畑耀_(株)クロスプラススタジオ_履歴書.pptx
+++ b/ASOポップカルチャー専門学校_小畑耀_(株)クロスプラススタジオ_履歴書.pptx
@@ -243,7 +243,7 @@
           <a:p>
             <a:fld id="{794C40CB-C9B9-4CF7-8744-847E2158247A}" type="datetimeFigureOut">
               <a:rPr kumimoji="1" lang="ja-JP" altLang="en-US" smtClean="0"/>
-              <a:t>2023/5/12</a:t>
+              <a:t>2023/5/29</a:t>
             </a:fld>
             <a:endParaRPr kumimoji="1" lang="ja-JP" altLang="en-US"/>
           </a:p>
@@ -445,7 +445,7 @@
           <a:p>
             <a:fld id="{794C40CB-C9B9-4CF7-8744-847E2158247A}" type="datetimeFigureOut">
               <a:rPr kumimoji="1" lang="ja-JP" altLang="en-US" smtClean="0"/>
-              <a:t>2023/5/12</a:t>
+              <a:t>2023/5/29</a:t>
             </a:fld>
             <a:endParaRPr kumimoji="1" lang="ja-JP" altLang="en-US"/>
           </a:p>
@@ -657,7 +657,7 @@
           <a:p>
             <a:fld id="{794C40CB-C9B9-4CF7-8744-847E2158247A}" type="datetimeFigureOut">
               <a:rPr kumimoji="1" lang="ja-JP" altLang="en-US" smtClean="0"/>
-              <a:t>2023/5/12</a:t>
+              <a:t>2023/5/29</a:t>
             </a:fld>
             <a:endParaRPr kumimoji="1" lang="ja-JP" altLang="en-US"/>
           </a:p>
@@ -859,7 +859,7 @@
           <a:p>
             <a:fld id="{794C40CB-C9B9-4CF7-8744-847E2158247A}" type="datetimeFigureOut">
               <a:rPr kumimoji="1" lang="ja-JP" altLang="en-US" smtClean="0"/>
-              <a:t>2023/5/12</a:t>
+              <a:t>2023/5/29</a:t>
             </a:fld>
             <a:endParaRPr kumimoji="1" lang="ja-JP" altLang="en-US"/>
           </a:p>
@@ -1103,7 +1103,7 @@
           <a:p>
             <a:fld id="{794C40CB-C9B9-4CF7-8744-847E2158247A}" type="datetimeFigureOut">
               <a:rPr kumimoji="1" lang="ja-JP" altLang="en-US" smtClean="0"/>
-              <a:t>2023/5/12</a:t>
+              <a:t>2023/5/29</a:t>
             </a:fld>
             <a:endParaRPr kumimoji="1" lang="ja-JP" altLang="en-US"/>
           </a:p>
@@ -1399,7 +1399,7 @@
           <a:p>
             <a:fld id="{794C40CB-C9B9-4CF7-8744-847E2158247A}" type="datetimeFigureOut">
               <a:rPr kumimoji="1" lang="ja-JP" altLang="en-US" smtClean="0"/>
-              <a:t>2023/5/12</a:t>
+              <a:t>2023/5/29</a:t>
             </a:fld>
             <a:endParaRPr kumimoji="1" lang="ja-JP" altLang="en-US"/>
           </a:p>
@@ -1830,7 +1830,7 @@
           <a:p>
             <a:fld id="{794C40CB-C9B9-4CF7-8744-847E2158247A}" type="datetimeFigureOut">
               <a:rPr kumimoji="1" lang="ja-JP" altLang="en-US" smtClean="0"/>
-              <a:t>2023/5/12</a:t>
+              <a:t>2023/5/29</a:t>
             </a:fld>
             <a:endParaRPr kumimoji="1" lang="ja-JP" altLang="en-US"/>
           </a:p>
@@ -1948,7 +1948,7 @@
           <a:p>
             <a:fld id="{794C40CB-C9B9-4CF7-8744-847E2158247A}" type="datetimeFigureOut">
               <a:rPr kumimoji="1" lang="ja-JP" altLang="en-US" smtClean="0"/>
-              <a:t>2023/5/12</a:t>
+              <a:t>2023/5/29</a:t>
             </a:fld>
             <a:endParaRPr kumimoji="1" lang="ja-JP" altLang="en-US"/>
           </a:p>
@@ -2043,7 +2043,7 @@
           <a:p>
             <a:fld id="{794C40CB-C9B9-4CF7-8744-847E2158247A}" type="datetimeFigureOut">
               <a:rPr kumimoji="1" lang="ja-JP" altLang="en-US" smtClean="0"/>
-              <a:t>2023/5/12</a:t>
+              <a:t>2023/5/29</a:t>
             </a:fld>
             <a:endParaRPr kumimoji="1" lang="ja-JP" altLang="en-US"/>
           </a:p>
@@ -2352,7 +2352,7 @@
           <a:p>
             <a:fld id="{794C40CB-C9B9-4CF7-8744-847E2158247A}" type="datetimeFigureOut">
               <a:rPr kumimoji="1" lang="ja-JP" altLang="en-US" smtClean="0"/>
-              <a:t>2023/5/12</a:t>
+              <a:t>2023/5/29</a:t>
             </a:fld>
             <a:endParaRPr kumimoji="1" lang="ja-JP" altLang="en-US"/>
           </a:p>
@@ -2609,7 +2609,7 @@
           <a:p>
             <a:fld id="{794C40CB-C9B9-4CF7-8744-847E2158247A}" type="datetimeFigureOut">
               <a:rPr kumimoji="1" lang="ja-JP" altLang="en-US" smtClean="0"/>
-              <a:t>2023/5/12</a:t>
+              <a:t>2023/5/29</a:t>
             </a:fld>
             <a:endParaRPr kumimoji="1" lang="ja-JP" altLang="en-US"/>
           </a:p>
@@ -2854,7 +2854,7 @@
           <a:p>
             <a:fld id="{794C40CB-C9B9-4CF7-8744-847E2158247A}" type="datetimeFigureOut">
               <a:rPr kumimoji="1" lang="ja-JP" altLang="en-US" smtClean="0"/>
-              <a:t>2023/5/12</a:t>
+              <a:t>2023/5/29</a:t>
             </a:fld>
             <a:endParaRPr kumimoji="1" lang="ja-JP" altLang="en-US"/>
           </a:p>
@@ -3317,18 +3317,11 @@
               </a:lnSpc>
             </a:pPr>
             <a:r>
-              <a:rPr lang="ja-JP" altLang="en-US" sz="1200">
-                <a:latin typeface="ＭＳ Ｐ明朝" panose="02020600040205080304" pitchFamily="18" charset="-128"/>
-                <a:ea typeface="ＭＳ Ｐ明朝" panose="02020600040205080304" pitchFamily="18" charset="-128"/>
-              </a:rPr>
-              <a:t>ツールを</a:t>
-            </a:r>
-            <a:r>
               <a:rPr lang="ja-JP" altLang="en-US" sz="1200" dirty="0">
                 <a:latin typeface="ＭＳ Ｐ明朝" panose="02020600040205080304" pitchFamily="18" charset="-128"/>
                 <a:ea typeface="ＭＳ Ｐ明朝" panose="02020600040205080304" pitchFamily="18" charset="-128"/>
               </a:rPr>
-              <a:t>使用せずにシェーダーを応用したエフェクトを表示できるように現在</a:t>
+              <a:t>ツールを使用せずにシェーダーを応用したエフェクトを表示できるように現在</a:t>
             </a:r>
             <a:r>
               <a:rPr lang="en-US" altLang="ja-JP" sz="1200" dirty="0">
@@ -3356,7 +3349,7 @@
                 <a:latin typeface="ＭＳ Ｐ明朝" panose="02020600040205080304" pitchFamily="18" charset="-128"/>
                 <a:ea typeface="ＭＳ Ｐ明朝" panose="02020600040205080304" pitchFamily="18" charset="-128"/>
               </a:rPr>
-              <a:t>を利用する、またはフリーの画像置くだけでエフェクトの代用をしていました。しかしシェーダーを応用することでさらに幅広く強いエフェクト表現を実装することができると考え現在も実装実験中です。</a:t>
+              <a:t>などのツールを利用する、またはフリーの画像置くだけでエフェクトの代用をしていました。しかしシェーダーを応用することでさらに幅広く強いエフェクト表現を実装することができると考え現在も実装実験中です。</a:t>
             </a:r>
             <a:endParaRPr kumimoji="1" lang="en-US" altLang="ja-JP" sz="1200" dirty="0">
               <a:latin typeface="ＭＳ Ｐ明朝" panose="02020600040205080304" pitchFamily="18" charset="-128"/>
@@ -3565,22 +3558,30 @@
               </a:spcAft>
             </a:pPr>
             <a:r>
-              <a:rPr lang="en-US" altLang="ja-JP" sz="1200" kern="100" spc="300">
+              <a:rPr lang="en-US" altLang="ja-JP" sz="1200" kern="100" spc="300" dirty="0">
                 <a:solidFill>
                   <a:srgbClr val="000000"/>
                 </a:solidFill>
-                <a:effectLst/>
-                <a:latin typeface="ＭＳ 明朝" panose="02020609040205080304" pitchFamily="17" charset="-128"/>
                 <a:ea typeface="ＭＳ 明朝" panose="02020609040205080304" pitchFamily="17" charset="-128"/>
               </a:rPr>
               <a:t>3</a:t>
             </a:r>
-            <a:endParaRPr lang="ja-JP" sz="1100" kern="100">
+          </a:p>
+          <a:p>
+            <a:pPr algn="ctr">
+              <a:lnSpc>
+                <a:spcPct val="107000"/>
+              </a:lnSpc>
+              <a:spcAft>
+                <a:spcPts val="800"/>
+              </a:spcAft>
+            </a:pPr>
+            <a:endParaRPr lang="ja-JP" sz="1100" kern="100" dirty="0">
               <a:solidFill>
                 <a:srgbClr val="000000"/>
               </a:solidFill>
               <a:effectLst/>
-              <a:latin typeface="ＭＳ 明朝" panose="02020609040205080304" pitchFamily="17" charset="-128"/>
+              <a:latin typeface="+mj-lt"/>
               <a:ea typeface="ＭＳ 明朝" panose="02020609040205080304" pitchFamily="17" charset="-128"/>
             </a:endParaRPr>
           </a:p>
@@ -5104,11 +5105,10 @@
                 <a:solidFill>
                   <a:srgbClr val="000000"/>
                 </a:solidFill>
-                <a:effectLst/>
                 <a:latin typeface="Calibri" panose="020F0502020204030204" pitchFamily="34" charset="0"/>
                 <a:ea typeface="Calibri" panose="020F0502020204030204" pitchFamily="34" charset="0"/>
               </a:rPr>
-              <a:t>4</a:t>
+              <a:t>5</a:t>
             </a:r>
             <a:endParaRPr lang="ja-JP" sz="1100" kern="100" dirty="0">
               <a:solidFill>
@@ -5164,12 +5164,27 @@
                 <a:solidFill>
                   <a:srgbClr val="000000"/>
                 </a:solidFill>
-                <a:effectLst/>
-                <a:latin typeface="ＭＳ Ｐ明朝" panose="02020600040205080304" pitchFamily="18" charset="-128"/>
                 <a:ea typeface="Calibri" panose="020F0502020204030204" pitchFamily="34" charset="0"/>
               </a:rPr>
-              <a:t>27</a:t>
-            </a:r>
+              <a:t>29</a:t>
+            </a:r>
+          </a:p>
+          <a:p>
+            <a:pPr algn="r">
+              <a:lnSpc>
+                <a:spcPct val="107000"/>
+              </a:lnSpc>
+              <a:spcAft>
+                <a:spcPts val="800"/>
+              </a:spcAft>
+            </a:pPr>
+            <a:endParaRPr lang="en-US" altLang="ja-JP" sz="1200" kern="100" spc="300" dirty="0">
+              <a:solidFill>
+                <a:srgbClr val="000000"/>
+              </a:solidFill>
+              <a:effectLst/>
+              <a:ea typeface="Calibri" panose="020F0502020204030204" pitchFamily="34" charset="0"/>
+            </a:endParaRPr>
           </a:p>
           <a:p>
             <a:pPr algn="r">
@@ -6510,21 +6525,28 @@
                 <a:latin typeface="ＭＳ Ｐ明朝" panose="02020600040205080304" pitchFamily="18" charset="-128"/>
                 <a:ea typeface="ＭＳ Ｐ明朝" panose="02020600040205080304" pitchFamily="18" charset="-128"/>
               </a:rPr>
-              <a:t>貴社のせつめいかいに参加した際に充実した研修内容や</a:t>
+              <a:t>貴社の会社説明会に参加した際に、長期、短期によるインターンシップ、入社後の手厚い研修など貴社であれば私自身の成長に繋がると思い志望いたしました。以前より興味のあったメータバースコンテンツや新規タイトルの作成、</a:t>
             </a:r>
             <a:r>
               <a:rPr kumimoji="1" lang="en-US" altLang="ja-JP" sz="1200" dirty="0">
                 <a:latin typeface="ＭＳ Ｐ明朝" panose="02020600040205080304" pitchFamily="18" charset="-128"/>
                 <a:ea typeface="ＭＳ Ｐ明朝" panose="02020600040205080304" pitchFamily="18" charset="-128"/>
               </a:rPr>
-              <a:t>Gather</a:t>
+              <a:t>PC</a:t>
             </a:r>
             <a:r>
               <a:rPr kumimoji="1" lang="ja-JP" altLang="en-US" sz="1200" dirty="0">
                 <a:latin typeface="ＭＳ Ｐ明朝" panose="02020600040205080304" pitchFamily="18" charset="-128"/>
                 <a:ea typeface="ＭＳ Ｐ明朝" panose="02020600040205080304" pitchFamily="18" charset="-128"/>
               </a:rPr>
-              <a:t>を使用しての社員同士の交流や先輩社員への相談のしやすさなど、とても魅力に感じました。私自身はまだまだ未熟なため、技術や経験が足りていませんが、多くのゲーム開発や多くの技術に触れることにより自身の能力向上になると考えたため、貴社を志望いたしました。</a:t>
+              <a:t>版の移植など、幅広い分野を担当されておられるため様々な経験ができると考え、その経験を今後の人生で生かし</a:t>
+            </a:r>
+            <a:r>
+              <a:rPr kumimoji="1" lang="ja-JP" altLang="en-US" sz="1200">
+                <a:latin typeface="ＭＳ Ｐ明朝" panose="02020600040205080304" pitchFamily="18" charset="-128"/>
+                <a:ea typeface="ＭＳ Ｐ明朝" panose="02020600040205080304" pitchFamily="18" charset="-128"/>
+              </a:rPr>
+              <a:t>成長したく思い貴社を強く志望いたします。</a:t>
             </a:r>
             <a:endParaRPr kumimoji="1" lang="en-US" altLang="ja-JP" sz="1200" dirty="0">
               <a:latin typeface="ＭＳ Ｐ明朝" panose="02020600040205080304" pitchFamily="18" charset="-128"/>
